--- a/арс трансформеры.pptx
+++ b/арс трансформеры.pptx
@@ -14,10 +14,13 @@
     <p:sldId id="260" r:id="rId8"/>
     <p:sldId id="261" r:id="rId9"/>
     <p:sldId id="262" r:id="rId10"/>
-    <p:sldId id="264" r:id="rId11"/>
-    <p:sldId id="265" r:id="rId12"/>
-    <p:sldId id="266" r:id="rId13"/>
-    <p:sldId id="263" r:id="rId14"/>
+    <p:sldId id="263" r:id="rId11"/>
+    <p:sldId id="264" r:id="rId12"/>
+    <p:sldId id="265" r:id="rId13"/>
+    <p:sldId id="266" r:id="rId14"/>
+    <p:sldId id="267" r:id="rId15"/>
+    <p:sldId id="268" r:id="rId16"/>
+    <p:sldId id="269" r:id="rId17"/>
   </p:sldIdLst>
   <p:sldSz cx="10080625" cy="5670550"/>
   <p:notesSz cx="7559675" cy="10691813"/>
@@ -116,7 +119,219 @@
       </a:defRPr>
     </a:lvl9pPr>
   </p:defaultTextStyle>
+  <p:extLst>
+    <p:ext uri="{EFAFB233-063F-42B5-8137-9DF3F51BA10A}">
+      <p15:sldGuideLst xmlns:p15="http://schemas.microsoft.com/office/powerpoint/2012/main"/>
+    </p:ext>
+  </p:extLst>
 </p:presentation>
+</file>
+
+<file path=ppt/changesInfos/changesInfo1.xml><?xml version="1.0" encoding="utf-8"?>
+<pc:chgInfo xmlns:a="http://schemas.openxmlformats.org/drawingml/2006/main" xmlns:r="http://schemas.openxmlformats.org/officeDocument/2006/relationships" xmlns:ac="http://schemas.microsoft.com/office/drawing/2013/main/command" xmlns:pc="http://schemas.microsoft.com/office/powerpoint/2013/main/command">
+  <pc:docChgLst>
+    <pc:chgData name="Арсений" userId="32dfd48f44f3ba25" providerId="LiveId" clId="{A6988F1A-3706-4CA2-A019-19708B21523C}"/>
+    <pc:docChg chg="undo custSel addSld delSld modSld sldOrd">
+      <pc:chgData name="Арсений" userId="32dfd48f44f3ba25" providerId="LiveId" clId="{A6988F1A-3706-4CA2-A019-19708B21523C}" dt="2023-11-25T14:22:09.690" v="413" actId="1076"/>
+      <pc:docMkLst>
+        <pc:docMk/>
+      </pc:docMkLst>
+      <pc:sldChg chg="ord">
+        <pc:chgData name="Арсений" userId="32dfd48f44f3ba25" providerId="LiveId" clId="{A6988F1A-3706-4CA2-A019-19708B21523C}" dt="2023-11-25T14:15:35.085" v="1"/>
+        <pc:sldMkLst>
+          <pc:docMk/>
+          <pc:sldMk cId="358602712" sldId="264"/>
+        </pc:sldMkLst>
+      </pc:sldChg>
+      <pc:sldChg chg="modSp mod ord">
+        <pc:chgData name="Арсений" userId="32dfd48f44f3ba25" providerId="LiveId" clId="{A6988F1A-3706-4CA2-A019-19708B21523C}" dt="2023-11-25T14:16:22.697" v="23" actId="20577"/>
+        <pc:sldMkLst>
+          <pc:docMk/>
+          <pc:sldMk cId="1639788795" sldId="265"/>
+        </pc:sldMkLst>
+        <pc:spChg chg="mod">
+          <ac:chgData name="Арсений" userId="32dfd48f44f3ba25" providerId="LiveId" clId="{A6988F1A-3706-4CA2-A019-19708B21523C}" dt="2023-11-25T14:16:22.697" v="23" actId="20577"/>
+          <ac:spMkLst>
+            <pc:docMk/>
+            <pc:sldMk cId="1639788795" sldId="265"/>
+            <ac:spMk id="152" creationId="{00000000-0000-0000-0000-000000000000}"/>
+          </ac:spMkLst>
+        </pc:spChg>
+      </pc:sldChg>
+      <pc:sldChg chg="modSp mod ord">
+        <pc:chgData name="Арсений" userId="32dfd48f44f3ba25" providerId="LiveId" clId="{A6988F1A-3706-4CA2-A019-19708B21523C}" dt="2023-11-25T14:16:28.333" v="37" actId="20577"/>
+        <pc:sldMkLst>
+          <pc:docMk/>
+          <pc:sldMk cId="1040583126" sldId="266"/>
+        </pc:sldMkLst>
+        <pc:spChg chg="mod">
+          <ac:chgData name="Арсений" userId="32dfd48f44f3ba25" providerId="LiveId" clId="{A6988F1A-3706-4CA2-A019-19708B21523C}" dt="2023-11-25T14:16:28.333" v="37" actId="20577"/>
+          <ac:spMkLst>
+            <pc:docMk/>
+            <pc:sldMk cId="1040583126" sldId="266"/>
+            <ac:spMk id="152" creationId="{00000000-0000-0000-0000-000000000000}"/>
+          </ac:spMkLst>
+        </pc:spChg>
+      </pc:sldChg>
+      <pc:sldChg chg="delSp modSp add mod">
+        <pc:chgData name="Арсений" userId="32dfd48f44f3ba25" providerId="LiveId" clId="{A6988F1A-3706-4CA2-A019-19708B21523C}" dt="2023-11-25T14:22:09.690" v="413" actId="1076"/>
+        <pc:sldMkLst>
+          <pc:docMk/>
+          <pc:sldMk cId="2855806274" sldId="267"/>
+        </pc:sldMkLst>
+        <pc:spChg chg="del mod">
+          <ac:chgData name="Арсений" userId="32dfd48f44f3ba25" providerId="LiveId" clId="{A6988F1A-3706-4CA2-A019-19708B21523C}" dt="2023-11-25T14:16:16.282" v="11"/>
+          <ac:spMkLst>
+            <pc:docMk/>
+            <pc:sldMk cId="2855806274" sldId="267"/>
+            <ac:spMk id="2" creationId="{F7FAE1D9-E4CD-4D0C-90E2-D142BEA0D4E0}"/>
+          </ac:spMkLst>
+        </pc:spChg>
+        <pc:spChg chg="mod">
+          <ac:chgData name="Арсений" userId="32dfd48f44f3ba25" providerId="LiveId" clId="{A6988F1A-3706-4CA2-A019-19708B21523C}" dt="2023-11-25T14:22:09.690" v="413" actId="1076"/>
+          <ac:spMkLst>
+            <pc:docMk/>
+            <pc:sldMk cId="2855806274" sldId="267"/>
+            <ac:spMk id="4" creationId="{43330B7A-C252-4E58-953E-49367C8B2996}"/>
+          </ac:spMkLst>
+        </pc:spChg>
+        <pc:spChg chg="mod">
+          <ac:chgData name="Арсений" userId="32dfd48f44f3ba25" providerId="LiveId" clId="{A6988F1A-3706-4CA2-A019-19708B21523C}" dt="2023-11-25T14:16:43.203" v="61" actId="20577"/>
+          <ac:spMkLst>
+            <pc:docMk/>
+            <pc:sldMk cId="2855806274" sldId="267"/>
+            <ac:spMk id="152" creationId="{00000000-0000-0000-0000-000000000000}"/>
+          </ac:spMkLst>
+        </pc:spChg>
+      </pc:sldChg>
+      <pc:sldChg chg="new del">
+        <pc:chgData name="Арсений" userId="32dfd48f44f3ba25" providerId="LiveId" clId="{A6988F1A-3706-4CA2-A019-19708B21523C}" dt="2023-11-25T14:16:07.933" v="7" actId="47"/>
+        <pc:sldMkLst>
+          <pc:docMk/>
+          <pc:sldMk cId="4071692876" sldId="267"/>
+        </pc:sldMkLst>
+      </pc:sldChg>
+      <pc:sldChg chg="addSp delSp modSp add mod">
+        <pc:chgData name="Арсений" userId="32dfd48f44f3ba25" providerId="LiveId" clId="{A6988F1A-3706-4CA2-A019-19708B21523C}" dt="2023-11-25T14:22:03.777" v="412" actId="20577"/>
+        <pc:sldMkLst>
+          <pc:docMk/>
+          <pc:sldMk cId="906608155" sldId="268"/>
+        </pc:sldMkLst>
+        <pc:spChg chg="add del mod">
+          <ac:chgData name="Арсений" userId="32dfd48f44f3ba25" providerId="LiveId" clId="{A6988F1A-3706-4CA2-A019-19708B21523C}" dt="2023-11-25T14:17:07.342" v="82"/>
+          <ac:spMkLst>
+            <pc:docMk/>
+            <pc:sldMk cId="906608155" sldId="268"/>
+            <ac:spMk id="2" creationId="{A3A567EC-F906-4185-B191-5236F05C44A5}"/>
+          </ac:spMkLst>
+        </pc:spChg>
+        <pc:spChg chg="add mod">
+          <ac:chgData name="Арсений" userId="32dfd48f44f3ba25" providerId="LiveId" clId="{A6988F1A-3706-4CA2-A019-19708B21523C}" dt="2023-11-25T14:19:22.154" v="125" actId="21"/>
+          <ac:spMkLst>
+            <pc:docMk/>
+            <pc:sldMk cId="906608155" sldId="268"/>
+            <ac:spMk id="3" creationId="{F4002302-D3AB-4359-80FE-799B9EEFBCDC}"/>
+          </ac:spMkLst>
+        </pc:spChg>
+        <pc:spChg chg="del mod">
+          <ac:chgData name="Арсений" userId="32dfd48f44f3ba25" providerId="LiveId" clId="{A6988F1A-3706-4CA2-A019-19708B21523C}" dt="2023-11-25T14:17:02.147" v="79" actId="478"/>
+          <ac:spMkLst>
+            <pc:docMk/>
+            <pc:sldMk cId="906608155" sldId="268"/>
+            <ac:spMk id="4" creationId="{43330B7A-C252-4E58-953E-49367C8B2996}"/>
+          </ac:spMkLst>
+        </pc:spChg>
+        <pc:spChg chg="add mod">
+          <ac:chgData name="Арсений" userId="32dfd48f44f3ba25" providerId="LiveId" clId="{A6988F1A-3706-4CA2-A019-19708B21523C}" dt="2023-11-25T14:19:06.623" v="123" actId="1076"/>
+          <ac:spMkLst>
+            <pc:docMk/>
+            <pc:sldMk cId="906608155" sldId="268"/>
+            <ac:spMk id="5" creationId="{22EAB4C7-510E-4D00-BC5B-057376732CB7}"/>
+          </ac:spMkLst>
+        </pc:spChg>
+        <pc:spChg chg="mod">
+          <ac:chgData name="Арсений" userId="32dfd48f44f3ba25" providerId="LiveId" clId="{A6988F1A-3706-4CA2-A019-19708B21523C}" dt="2023-11-25T14:22:03.777" v="412" actId="20577"/>
+          <ac:spMkLst>
+            <pc:docMk/>
+            <pc:sldMk cId="906608155" sldId="268"/>
+            <ac:spMk id="152" creationId="{00000000-0000-0000-0000-000000000000}"/>
+          </ac:spMkLst>
+        </pc:spChg>
+      </pc:sldChg>
+      <pc:sldChg chg="addSp delSp modSp add mod">
+        <pc:chgData name="Арсений" userId="32dfd48f44f3ba25" providerId="LiveId" clId="{A6988F1A-3706-4CA2-A019-19708B21523C}" dt="2023-11-25T14:21:55.795" v="407" actId="20577"/>
+        <pc:sldMkLst>
+          <pc:docMk/>
+          <pc:sldMk cId="1045671220" sldId="269"/>
+        </pc:sldMkLst>
+        <pc:spChg chg="add mod">
+          <ac:chgData name="Арсений" userId="32dfd48f44f3ba25" providerId="LiveId" clId="{A6988F1A-3706-4CA2-A019-19708B21523C}" dt="2023-11-25T14:21:28.122" v="370" actId="1076"/>
+          <ac:spMkLst>
+            <pc:docMk/>
+            <pc:sldMk cId="1045671220" sldId="269"/>
+            <ac:spMk id="2" creationId="{F184FC63-B8B3-441E-B487-DB9894CF3776}"/>
+          </ac:spMkLst>
+        </pc:spChg>
+        <pc:spChg chg="del">
+          <ac:chgData name="Арсений" userId="32dfd48f44f3ba25" providerId="LiveId" clId="{A6988F1A-3706-4CA2-A019-19708B21523C}" dt="2023-11-25T14:19:28.436" v="127" actId="478"/>
+          <ac:spMkLst>
+            <pc:docMk/>
+            <pc:sldMk cId="1045671220" sldId="269"/>
+            <ac:spMk id="3" creationId="{F4002302-D3AB-4359-80FE-799B9EEFBCDC}"/>
+          </ac:spMkLst>
+        </pc:spChg>
+        <pc:spChg chg="add mod">
+          <ac:chgData name="Арсений" userId="32dfd48f44f3ba25" providerId="LiveId" clId="{A6988F1A-3706-4CA2-A019-19708B21523C}" dt="2023-11-25T14:21:07.434" v="358" actId="113"/>
+          <ac:spMkLst>
+            <pc:docMk/>
+            <pc:sldMk cId="1045671220" sldId="269"/>
+            <ac:spMk id="4" creationId="{A97F26CC-87AD-4CA8-90BE-FB5631D957F9}"/>
+          </ac:spMkLst>
+        </pc:spChg>
+        <pc:spChg chg="del mod">
+          <ac:chgData name="Арсений" userId="32dfd48f44f3ba25" providerId="LiveId" clId="{A6988F1A-3706-4CA2-A019-19708B21523C}" dt="2023-11-25T14:20:10.539" v="219" actId="478"/>
+          <ac:spMkLst>
+            <pc:docMk/>
+            <pc:sldMk cId="1045671220" sldId="269"/>
+            <ac:spMk id="5" creationId="{22EAB4C7-510E-4D00-BC5B-057376732CB7}"/>
+          </ac:spMkLst>
+        </pc:spChg>
+        <pc:spChg chg="add mod">
+          <ac:chgData name="Арсений" userId="32dfd48f44f3ba25" providerId="LiveId" clId="{A6988F1A-3706-4CA2-A019-19708B21523C}" dt="2023-11-25T14:21:24.080" v="369" actId="1076"/>
+          <ac:spMkLst>
+            <pc:docMk/>
+            <pc:sldMk cId="1045671220" sldId="269"/>
+            <ac:spMk id="6" creationId="{028F1CB2-A68F-493F-824A-8DD0C10BD3AD}"/>
+          </ac:spMkLst>
+        </pc:spChg>
+        <pc:spChg chg="add del mod">
+          <ac:chgData name="Арсений" userId="32dfd48f44f3ba25" providerId="LiveId" clId="{A6988F1A-3706-4CA2-A019-19708B21523C}" dt="2023-11-25T14:21:10.162" v="360"/>
+          <ac:spMkLst>
+            <pc:docMk/>
+            <pc:sldMk cId="1045671220" sldId="269"/>
+            <ac:spMk id="8" creationId="{9B21437E-8C83-4F63-A74C-18645D404595}"/>
+          </ac:spMkLst>
+        </pc:spChg>
+        <pc:spChg chg="add mod">
+          <ac:chgData name="Арсений" userId="32dfd48f44f3ba25" providerId="LiveId" clId="{A6988F1A-3706-4CA2-A019-19708B21523C}" dt="2023-11-25T14:21:20.197" v="367" actId="14100"/>
+          <ac:spMkLst>
+            <pc:docMk/>
+            <pc:sldMk cId="1045671220" sldId="269"/>
+            <ac:spMk id="9" creationId="{D566F8EB-3666-40C1-A32F-40DE79EB3BC1}"/>
+          </ac:spMkLst>
+        </pc:spChg>
+        <pc:spChg chg="mod">
+          <ac:chgData name="Арсений" userId="32dfd48f44f3ba25" providerId="LiveId" clId="{A6988F1A-3706-4CA2-A019-19708B21523C}" dt="2023-11-25T14:21:55.795" v="407" actId="20577"/>
+          <ac:spMkLst>
+            <pc:docMk/>
+            <pc:sldMk cId="1045671220" sldId="269"/>
+            <ac:spMk id="152" creationId="{00000000-0000-0000-0000-000000000000}"/>
+          </ac:spMkLst>
+        </pc:spChg>
+      </pc:sldChg>
+    </pc:docChg>
+  </pc:docChgLst>
+</pc:chgInfo>
 </file>
 
 <file path=ppt/slideLayouts/slideLayout1.xml><?xml version="1.0" encoding="utf-8"?>
@@ -10239,6 +10454,15 @@
               </a:rPr>
               <a:t>GPT</a:t>
             </a:r>
+            <a:r>
+              <a:rPr lang="ru-RU" sz="2700" b="1" spc="-1" dirty="0">
+                <a:solidFill>
+                  <a:srgbClr val="FFFFFF"/>
+                </a:solidFill>
+                <a:latin typeface="Source Sans Pro Black"/>
+              </a:rPr>
+              <a:t> что это</a:t>
+            </a:r>
             <a:endParaRPr lang="ru-RU" sz="2700" b="1" strike="noStrike" spc="-1" dirty="0">
               <a:solidFill>
                 <a:srgbClr val="FFFFFF"/>
@@ -10250,10 +10474,10 @@
       </p:sp>
       <p:sp>
         <p:nvSpPr>
-          <p:cNvPr id="2" name="TextBox 1">
+          <p:cNvPr id="3" name="TextBox 2">
             <a:extLst>
               <a:ext uri="{FF2B5EF4-FFF2-40B4-BE49-F238E27FC236}">
-                <a16:creationId xmlns:a16="http://schemas.microsoft.com/office/drawing/2014/main" id="{F7FAE1D9-E4CD-4D0C-90E2-D142BEA0D4E0}"/>
+                <a16:creationId xmlns:a16="http://schemas.microsoft.com/office/drawing/2014/main" id="{A2D3CBDE-7DE9-40C2-AD2F-096463AC3CAD}"/>
               </a:ext>
             </a:extLst>
           </p:cNvPr>
@@ -10261,9 +10485,9 @@
           <p:nvPr/>
         </p:nvSpPr>
         <p:spPr>
-          <a:xfrm>
-            <a:off x="741680" y="1676400"/>
-            <a:ext cx="8978320" cy="1200329"/>
+          <a:xfrm flipH="1">
+            <a:off x="1102358" y="1584960"/>
+            <a:ext cx="8244841" cy="1477328"/>
           </a:xfrm>
           <a:prstGeom prst="rect">
             <a:avLst/>
@@ -10278,39 +10502,29 @@
           <a:p>
             <a:r>
               <a:rPr lang="ru-RU" dirty="0"/>
-              <a:t>Результатом является массив i на j, где i - </a:t>
-            </a:r>
-            <a:r>
-              <a:rPr lang="ru-RU" dirty="0" err="1"/>
-              <a:t>ая</a:t>
-            </a:r>
+              <a:t>Текст разбивается на токены, которые сопоставляются с целыми числами в соответствии вокабулярия – данных, на которых обучалась модель</a:t>
+            </a:r>
+          </a:p>
+          <a:p>
+            <a:endParaRPr lang="ru-RU" dirty="0"/>
+          </a:p>
+          <a:p>
+            <a:endParaRPr lang="ru-RU" dirty="0"/>
+          </a:p>
+          <a:p>
             <a:r>
               <a:rPr lang="ru-RU" dirty="0"/>
-              <a:t> строка – номер слова в вводе, j – </a:t>
-            </a:r>
-            <a:r>
-              <a:rPr lang="ru-RU" dirty="0" err="1"/>
-              <a:t>ый</a:t>
-            </a:r>
-            <a:r>
-              <a:rPr lang="ru-RU" dirty="0"/>
-              <a:t> столбец в i</a:t>
-            </a:r>
-          </a:p>
-          <a:p>
-            <a:r>
-              <a:rPr lang="ru-RU" dirty="0"/>
-              <a:t>- ой строке – вероятность, что данное слово из вокабулярия было бы встречено в языке</a:t>
-            </a:r>
-          </a:p>
-        </p:txBody>
-      </p:sp>
-      <p:sp>
-        <p:nvSpPr>
-          <p:cNvPr id="4" name="TextBox 3">
+              <a:t>Пример:</a:t>
+            </a:r>
+          </a:p>
+        </p:txBody>
+      </p:sp>
+      <p:sp>
+        <p:nvSpPr>
+          <p:cNvPr id="7" name="TextBox 6">
             <a:extLst>
               <a:ext uri="{FF2B5EF4-FFF2-40B4-BE49-F238E27FC236}">
-                <a16:creationId xmlns:a16="http://schemas.microsoft.com/office/drawing/2014/main" id="{43330B7A-C252-4E58-953E-49367C8B2996}"/>
+                <a16:creationId xmlns:a16="http://schemas.microsoft.com/office/drawing/2014/main" id="{32F02A77-E13A-4758-B1F7-4F7EF282F5C1}"/>
               </a:ext>
             </a:extLst>
           </p:cNvPr>
@@ -10319,43 +10533,260 @@
         </p:nvSpPr>
         <p:spPr>
           <a:xfrm>
-            <a:off x="741680" y="4135120"/>
-            <a:ext cx="8978320" cy="646331"/>
-          </a:xfrm>
-          <a:prstGeom prst="rect">
-            <a:avLst/>
-          </a:prstGeom>
-          <a:noFill/>
-        </p:spPr>
-        <p:txBody>
-          <a:bodyPr wrap="square" rtlCol="0">
+            <a:off x="1102358" y="3254594"/>
+            <a:ext cx="6456682" cy="369332"/>
+          </a:xfrm>
+          <a:prstGeom prst="rect">
+            <a:avLst/>
+          </a:prstGeom>
+          <a:noFill/>
+        </p:spPr>
+        <p:txBody>
+          <a:bodyPr wrap="square">
             <a:spAutoFit/>
           </a:bodyPr>
           <a:lstStyle/>
           <a:p>
             <a:r>
-              <a:rPr lang="en-US" dirty="0"/>
-              <a:t>GPT </a:t>
-            </a:r>
-            <a:r>
-              <a:rPr lang="ru-RU" dirty="0"/>
-              <a:t>выбирает следующее слово основываясь на этом массиве. Можно </a:t>
-            </a:r>
-            <a:r>
-              <a:rPr lang="ru-RU" dirty="0" err="1"/>
-              <a:t>рандомизировать</a:t>
-            </a:r>
-            <a:r>
-              <a:rPr lang="ru-RU" dirty="0"/>
-              <a:t> выбор слова, чтобы ответы получались интереснее</a:t>
-            </a:r>
+              <a:rPr lang="en-US" b="0" i="0" dirty="0">
+                <a:solidFill>
+                  <a:srgbClr val="4D4D4C"/>
+                </a:solidFill>
+                <a:effectLst/>
+                <a:latin typeface="Menlo"/>
+              </a:rPr>
+              <a:t>vocab = [</a:t>
+            </a:r>
+            <a:r>
+              <a:rPr lang="en-US" b="0" i="0" dirty="0">
+                <a:solidFill>
+                  <a:srgbClr val="718C00"/>
+                </a:solidFill>
+                <a:effectLst/>
+                <a:latin typeface="Menlo"/>
+              </a:rPr>
+              <a:t>"all"</a:t>
+            </a:r>
+            <a:r>
+              <a:rPr lang="en-US" b="0" i="0" dirty="0">
+                <a:solidFill>
+                  <a:srgbClr val="4D4D4C"/>
+                </a:solidFill>
+                <a:effectLst/>
+                <a:latin typeface="Menlo"/>
+              </a:rPr>
+              <a:t>, </a:t>
+            </a:r>
+            <a:r>
+              <a:rPr lang="en-US" b="0" i="0" dirty="0">
+                <a:solidFill>
+                  <a:srgbClr val="718C00"/>
+                </a:solidFill>
+                <a:effectLst/>
+                <a:latin typeface="Menlo"/>
+              </a:rPr>
+              <a:t>"not"</a:t>
+            </a:r>
+            <a:r>
+              <a:rPr lang="en-US" b="0" i="0" dirty="0">
+                <a:solidFill>
+                  <a:srgbClr val="4D4D4C"/>
+                </a:solidFill>
+                <a:effectLst/>
+                <a:latin typeface="Menlo"/>
+              </a:rPr>
+              <a:t>, </a:t>
+            </a:r>
+            <a:r>
+              <a:rPr lang="en-US" b="0" i="0" dirty="0">
+                <a:solidFill>
+                  <a:srgbClr val="718C00"/>
+                </a:solidFill>
+                <a:effectLst/>
+                <a:latin typeface="Menlo"/>
+              </a:rPr>
+              <a:t>"heroes"</a:t>
+            </a:r>
+            <a:r>
+              <a:rPr lang="en-US" b="0" i="0" dirty="0">
+                <a:solidFill>
+                  <a:srgbClr val="4D4D4C"/>
+                </a:solidFill>
+                <a:effectLst/>
+                <a:latin typeface="Menlo"/>
+              </a:rPr>
+              <a:t>, </a:t>
+            </a:r>
+            <a:r>
+              <a:rPr lang="en-US" b="0" i="0" dirty="0">
+                <a:solidFill>
+                  <a:srgbClr val="718C00"/>
+                </a:solidFill>
+                <a:effectLst/>
+                <a:latin typeface="Menlo"/>
+              </a:rPr>
+              <a:t>"the"</a:t>
+            </a:r>
+            <a:r>
+              <a:rPr lang="en-US" b="0" i="0" dirty="0">
+                <a:solidFill>
+                  <a:srgbClr val="4D4D4C"/>
+                </a:solidFill>
+                <a:effectLst/>
+                <a:latin typeface="Menlo"/>
+              </a:rPr>
+              <a:t>, </a:t>
+            </a:r>
+            <a:r>
+              <a:rPr lang="en-US" b="0" i="0" dirty="0">
+                <a:solidFill>
+                  <a:srgbClr val="718C00"/>
+                </a:solidFill>
+                <a:effectLst/>
+                <a:latin typeface="Menlo"/>
+              </a:rPr>
+              <a:t>"wear"</a:t>
+            </a:r>
+            <a:r>
+              <a:rPr lang="en-US" b="0" i="0" dirty="0">
+                <a:solidFill>
+                  <a:srgbClr val="4D4D4C"/>
+                </a:solidFill>
+                <a:effectLst/>
+                <a:latin typeface="Menlo"/>
+              </a:rPr>
+              <a:t>, </a:t>
+            </a:r>
+            <a:r>
+              <a:rPr lang="en-US" b="0" i="0" dirty="0">
+                <a:solidFill>
+                  <a:srgbClr val="718C00"/>
+                </a:solidFill>
+                <a:effectLst/>
+                <a:latin typeface="Menlo"/>
+              </a:rPr>
+              <a:t>"."</a:t>
+            </a:r>
+            <a:r>
+              <a:rPr lang="en-US" b="0" i="0" dirty="0">
+                <a:solidFill>
+                  <a:srgbClr val="4D4D4C"/>
+                </a:solidFill>
+                <a:effectLst/>
+                <a:latin typeface="Menlo"/>
+              </a:rPr>
+              <a:t>, </a:t>
+            </a:r>
+            <a:r>
+              <a:rPr lang="en-US" b="0" i="0" dirty="0">
+                <a:solidFill>
+                  <a:srgbClr val="718C00"/>
+                </a:solidFill>
+                <a:effectLst/>
+                <a:latin typeface="Menlo"/>
+              </a:rPr>
+              <a:t>"capes"</a:t>
+            </a:r>
+            <a:r>
+              <a:rPr lang="en-US" b="0" i="0" dirty="0">
+                <a:solidFill>
+                  <a:srgbClr val="4D4D4C"/>
+                </a:solidFill>
+                <a:effectLst/>
+                <a:latin typeface="Menlo"/>
+              </a:rPr>
+              <a:t>]</a:t>
+            </a:r>
+            <a:endParaRPr lang="ru-RU" dirty="0"/>
+          </a:p>
+        </p:txBody>
+      </p:sp>
+      <p:sp>
+        <p:nvSpPr>
+          <p:cNvPr id="9" name="TextBox 8">
+            <a:extLst>
+              <a:ext uri="{FF2B5EF4-FFF2-40B4-BE49-F238E27FC236}">
+                <a16:creationId xmlns:a16="http://schemas.microsoft.com/office/drawing/2014/main" id="{225580BB-111F-4E98-8B27-68CA017263B9}"/>
+              </a:ext>
+            </a:extLst>
+          </p:cNvPr>
+          <p:cNvSpPr txBox="1"/>
+          <p:nvPr/>
+        </p:nvSpPr>
+        <p:spPr>
+          <a:xfrm>
+            <a:off x="1102358" y="3909706"/>
+            <a:ext cx="5918202" cy="369332"/>
+          </a:xfrm>
+          <a:prstGeom prst="rect">
+            <a:avLst/>
+          </a:prstGeom>
+          <a:noFill/>
+        </p:spPr>
+        <p:txBody>
+          <a:bodyPr wrap="square">
+            <a:spAutoFit/>
+          </a:bodyPr>
+          <a:lstStyle/>
+          <a:p>
+            <a:r>
+              <a:rPr lang="en-US" b="0" i="0" dirty="0" err="1">
+                <a:solidFill>
+                  <a:srgbClr val="4D4D4C"/>
+                </a:solidFill>
+                <a:effectLst/>
+                <a:latin typeface="Menlo"/>
+              </a:rPr>
+              <a:t>tokenizer.encode</a:t>
+            </a:r>
+            <a:r>
+              <a:rPr lang="en-US" b="0" i="0" dirty="0">
+                <a:solidFill>
+                  <a:srgbClr val="4D4D4C"/>
+                </a:solidFill>
+                <a:effectLst/>
+                <a:latin typeface="Menlo"/>
+              </a:rPr>
+              <a:t>(</a:t>
+            </a:r>
+            <a:r>
+              <a:rPr lang="en-US" b="0" i="0" dirty="0">
+                <a:solidFill>
+                  <a:srgbClr val="718C00"/>
+                </a:solidFill>
+                <a:effectLst/>
+                <a:latin typeface="Menlo"/>
+              </a:rPr>
+              <a:t>"not all heroes wear"</a:t>
+            </a:r>
+            <a:r>
+              <a:rPr lang="en-US" b="0" i="0" dirty="0">
+                <a:solidFill>
+                  <a:srgbClr val="4D4D4C"/>
+                </a:solidFill>
+                <a:effectLst/>
+                <a:latin typeface="Menlo"/>
+              </a:rPr>
+              <a:t>) </a:t>
+            </a:r>
+            <a:r>
+              <a:rPr lang="en-US" b="0" i="0" dirty="0">
+                <a:solidFill>
+                  <a:srgbClr val="8E908C"/>
+                </a:solidFill>
+                <a:effectLst/>
+                <a:latin typeface="Menlo"/>
+              </a:rPr>
+              <a:t># ids = [1, 0, 2, 4]</a:t>
+            </a:r>
+            <a:endParaRPr lang="ru-RU" dirty="0"/>
           </a:p>
         </p:txBody>
       </p:sp>
     </p:spTree>
     <p:extLst>
       <p:ext uri="{BB962C8B-B14F-4D97-AF65-F5344CB8AC3E}">
-        <p14:creationId xmlns:p14="http://schemas.microsoft.com/office/powerpoint/2010/main" val="1040583126"/>
+        <p14:creationId xmlns:p14="http://schemas.microsoft.com/office/powerpoint/2010/main" val="1639788795"/>
       </p:ext>
     </p:extLst>
   </p:cSld>
@@ -10384,7 +10815,7 @@
       </p:grpSpPr>
       <p:sp>
         <p:nvSpPr>
-          <p:cNvPr id="155" name="PlaceHolder 1"/>
+          <p:cNvPr id="152" name="PlaceHolder 1"/>
           <p:cNvSpPr>
             <a:spLocks noGrp="1"/>
           </p:cNvSpPr>
@@ -10394,8 +10825,8 @@
         </p:nvSpPr>
         <p:spPr>
           <a:xfrm>
-            <a:off x="2700000" y="1440000"/>
-            <a:ext cx="4680000" cy="1620000"/>
+            <a:off x="360000" y="225720"/>
+            <a:ext cx="9360000" cy="718920"/>
           </a:xfrm>
           <a:prstGeom prst="rect">
             <a:avLst/>
@@ -10406,17 +10837,35 @@
           </a:ln>
         </p:spPr>
         <p:txBody>
-          <a:bodyPr lIns="0" tIns="0" rIns="0" bIns="0" anchor="ctr" anchorCtr="1">
+          <a:bodyPr lIns="0" tIns="0" rIns="0" bIns="0" anchor="ctr">
             <a:noAutofit/>
           </a:bodyPr>
           <a:lstStyle/>
           <a:p>
-            <a:pPr indent="0" algn="ctr">
+            <a:pPr indent="0">
               <a:buNone/>
             </a:pPr>
-            <a:endParaRPr lang="ru-RU" sz="2700" b="1" strike="noStrike" spc="-1">
+            <a:r>
+              <a:rPr lang="en-US" sz="2700" b="1" spc="-1" dirty="0">
+                <a:solidFill>
+                  <a:srgbClr val="FFFFFF"/>
+                </a:solidFill>
+                <a:latin typeface="Source Sans Pro Black"/>
+              </a:rPr>
+              <a:t>GPT</a:t>
+            </a:r>
+            <a:r>
+              <a:rPr lang="ru-RU" sz="2700" b="1" spc="-1" dirty="0">
+                <a:solidFill>
+                  <a:srgbClr val="FFFFFF"/>
+                </a:solidFill>
+                <a:latin typeface="Source Sans Pro Black"/>
+              </a:rPr>
+              <a:t> основная суть</a:t>
+            </a:r>
+            <a:endParaRPr lang="ru-RU" sz="2700" b="1" strike="noStrike" spc="-1" dirty="0">
               <a:solidFill>
-                <a:srgbClr val="2C3E50"/>
+                <a:srgbClr val="FFFFFF"/>
               </a:solidFill>
               <a:latin typeface="Source Sans Pro Black"/>
             </a:endParaRPr>
@@ -10425,27 +10874,728 @@
       </p:sp>
       <p:sp>
         <p:nvSpPr>
-          <p:cNvPr id="3" name="PlaceHolder 2"/>
-          <p:cNvSpPr>
-            <a:spLocks noGrp="1"/>
-          </p:cNvSpPr>
-          <p:nvPr>
-            <p:ph type="sldNum" idx="8"/>
-          </p:nvPr>
-        </p:nvSpPr>
-        <p:spPr/>
-        <p:txBody>
-          <a:bodyPr/>
-          <a:lstStyle/>
-          <a:p>
-            <a:fld id="{B883279E-E5CF-42B8-8C1E-29207197885E}" type="slidenum">
-              <a:t>11</a:t>
-            </a:fld>
-            <a:endParaRPr/>
+          <p:cNvPr id="2" name="TextBox 1">
+            <a:extLst>
+              <a:ext uri="{FF2B5EF4-FFF2-40B4-BE49-F238E27FC236}">
+                <a16:creationId xmlns:a16="http://schemas.microsoft.com/office/drawing/2014/main" id="{F7FAE1D9-E4CD-4D0C-90E2-D142BEA0D4E0}"/>
+              </a:ext>
+            </a:extLst>
+          </p:cNvPr>
+          <p:cNvSpPr txBox="1"/>
+          <p:nvPr/>
+        </p:nvSpPr>
+        <p:spPr>
+          <a:xfrm>
+            <a:off x="741680" y="1676400"/>
+            <a:ext cx="8978320" cy="1200329"/>
+          </a:xfrm>
+          <a:prstGeom prst="rect">
+            <a:avLst/>
+          </a:prstGeom>
+          <a:noFill/>
+        </p:spPr>
+        <p:txBody>
+          <a:bodyPr wrap="square" rtlCol="0">
+            <a:spAutoFit/>
+          </a:bodyPr>
+          <a:lstStyle/>
+          <a:p>
+            <a:r>
+              <a:rPr lang="ru-RU" dirty="0"/>
+              <a:t>Результатом является массив i на j, где i - </a:t>
+            </a:r>
+            <a:r>
+              <a:rPr lang="ru-RU" dirty="0" err="1"/>
+              <a:t>ая</a:t>
+            </a:r>
+            <a:r>
+              <a:rPr lang="ru-RU" dirty="0"/>
+              <a:t> строка – номер слова в вводе, j – </a:t>
+            </a:r>
+            <a:r>
+              <a:rPr lang="ru-RU" dirty="0" err="1"/>
+              <a:t>ый</a:t>
+            </a:r>
+            <a:r>
+              <a:rPr lang="ru-RU" dirty="0"/>
+              <a:t> столбец в i</a:t>
+            </a:r>
+          </a:p>
+          <a:p>
+            <a:r>
+              <a:rPr lang="ru-RU" dirty="0"/>
+              <a:t>- ой строке – вероятность, что данное слово из вокабулярия было бы встречено в языке</a:t>
+            </a:r>
+          </a:p>
+        </p:txBody>
+      </p:sp>
+      <p:sp>
+        <p:nvSpPr>
+          <p:cNvPr id="4" name="TextBox 3">
+            <a:extLst>
+              <a:ext uri="{FF2B5EF4-FFF2-40B4-BE49-F238E27FC236}">
+                <a16:creationId xmlns:a16="http://schemas.microsoft.com/office/drawing/2014/main" id="{43330B7A-C252-4E58-953E-49367C8B2996}"/>
+              </a:ext>
+            </a:extLst>
+          </p:cNvPr>
+          <p:cNvSpPr txBox="1"/>
+          <p:nvPr/>
+        </p:nvSpPr>
+        <p:spPr>
+          <a:xfrm>
+            <a:off x="741680" y="4135120"/>
+            <a:ext cx="8978320" cy="646331"/>
+          </a:xfrm>
+          <a:prstGeom prst="rect">
+            <a:avLst/>
+          </a:prstGeom>
+          <a:noFill/>
+        </p:spPr>
+        <p:txBody>
+          <a:bodyPr wrap="square" rtlCol="0">
+            <a:spAutoFit/>
+          </a:bodyPr>
+          <a:lstStyle/>
+          <a:p>
+            <a:r>
+              <a:rPr lang="en-US" dirty="0"/>
+              <a:t>GPT </a:t>
+            </a:r>
+            <a:r>
+              <a:rPr lang="ru-RU" dirty="0"/>
+              <a:t>выбирает следующее слово основываясь на этом массиве. Можно </a:t>
+            </a:r>
+            <a:r>
+              <a:rPr lang="ru-RU" dirty="0" err="1"/>
+              <a:t>рандомизировать</a:t>
+            </a:r>
+            <a:r>
+              <a:rPr lang="ru-RU" dirty="0"/>
+              <a:t> выбор слова, чтобы ответы получались интереснее</a:t>
+            </a:r>
           </a:p>
         </p:txBody>
       </p:sp>
     </p:spTree>
+    <p:extLst>
+      <p:ext uri="{BB962C8B-B14F-4D97-AF65-F5344CB8AC3E}">
+        <p14:creationId xmlns:p14="http://schemas.microsoft.com/office/powerpoint/2010/main" val="1040583126"/>
+      </p:ext>
+    </p:extLst>
+  </p:cSld>
+  <p:clrMapOvr>
+    <a:masterClrMapping/>
+  </p:clrMapOvr>
+</p:sld>
+</file>
+
+<file path=ppt/slides/slide12.xml><?xml version="1.0" encoding="utf-8"?>
+<p:sld xmlns:a="http://schemas.openxmlformats.org/drawingml/2006/main" xmlns:r="http://schemas.openxmlformats.org/officeDocument/2006/relationships" xmlns:p="http://schemas.openxmlformats.org/presentationml/2006/main">
+  <p:cSld>
+    <p:spTree>
+      <p:nvGrpSpPr>
+        <p:cNvPr id="1" name=""/>
+        <p:cNvGrpSpPr/>
+        <p:nvPr/>
+      </p:nvGrpSpPr>
+      <p:grpSpPr>
+        <a:xfrm>
+          <a:off x="0" y="0"/>
+          <a:ext cx="0" cy="0"/>
+          <a:chOff x="0" y="0"/>
+          <a:chExt cx="0" cy="0"/>
+        </a:xfrm>
+      </p:grpSpPr>
+      <p:sp>
+        <p:nvSpPr>
+          <p:cNvPr id="152" name="PlaceHolder 1"/>
+          <p:cNvSpPr>
+            <a:spLocks noGrp="1"/>
+          </p:cNvSpPr>
+          <p:nvPr>
+            <p:ph type="title"/>
+          </p:nvPr>
+        </p:nvSpPr>
+        <p:spPr>
+          <a:xfrm>
+            <a:off x="360000" y="225720"/>
+            <a:ext cx="9360000" cy="718920"/>
+          </a:xfrm>
+          <a:prstGeom prst="rect">
+            <a:avLst/>
+          </a:prstGeom>
+          <a:noFill/>
+          <a:ln w="0">
+            <a:noFill/>
+          </a:ln>
+        </p:spPr>
+        <p:txBody>
+          <a:bodyPr lIns="0" tIns="0" rIns="0" bIns="0" anchor="ctr">
+            <a:noAutofit/>
+          </a:bodyPr>
+          <a:lstStyle/>
+          <a:p>
+            <a:pPr indent="0">
+              <a:buNone/>
+            </a:pPr>
+            <a:r>
+              <a:rPr lang="en-US" sz="2700" b="1" spc="-1" dirty="0">
+                <a:solidFill>
+                  <a:srgbClr val="FFFFFF"/>
+                </a:solidFill>
+                <a:latin typeface="Source Sans Pro Black"/>
+              </a:rPr>
+              <a:t>GPT</a:t>
+            </a:r>
+            <a:r>
+              <a:rPr lang="ru-RU" sz="2700" b="1" spc="-1" dirty="0">
+                <a:solidFill>
+                  <a:srgbClr val="FFFFFF"/>
+                </a:solidFill>
+                <a:latin typeface="Source Sans Pro Black"/>
+              </a:rPr>
+              <a:t> основная суть</a:t>
+            </a:r>
+            <a:endParaRPr lang="ru-RU" sz="2700" b="1" strike="noStrike" spc="-1" dirty="0">
+              <a:solidFill>
+                <a:srgbClr val="FFFFFF"/>
+              </a:solidFill>
+              <a:latin typeface="Source Sans Pro Black"/>
+            </a:endParaRPr>
+          </a:p>
+        </p:txBody>
+      </p:sp>
+      <p:sp>
+        <p:nvSpPr>
+          <p:cNvPr id="4" name="TextBox 3">
+            <a:extLst>
+              <a:ext uri="{FF2B5EF4-FFF2-40B4-BE49-F238E27FC236}">
+                <a16:creationId xmlns:a16="http://schemas.microsoft.com/office/drawing/2014/main" id="{43330B7A-C252-4E58-953E-49367C8B2996}"/>
+              </a:ext>
+            </a:extLst>
+          </p:cNvPr>
+          <p:cNvSpPr txBox="1"/>
+          <p:nvPr/>
+        </p:nvSpPr>
+        <p:spPr>
+          <a:xfrm>
+            <a:off x="921294" y="1889942"/>
+            <a:ext cx="8978320" cy="646331"/>
+          </a:xfrm>
+          <a:prstGeom prst="rect">
+            <a:avLst/>
+          </a:prstGeom>
+          <a:noFill/>
+        </p:spPr>
+        <p:txBody>
+          <a:bodyPr wrap="square" rtlCol="0">
+            <a:spAutoFit/>
+          </a:bodyPr>
+          <a:lstStyle/>
+          <a:p>
+            <a:r>
+              <a:rPr lang="en-US" dirty="0"/>
+              <a:t>GPT </a:t>
+            </a:r>
+            <a:r>
+              <a:rPr lang="ru-RU" dirty="0"/>
+              <a:t>выбирает следующее слово основываясь на этом массиве. Можно </a:t>
+            </a:r>
+            <a:r>
+              <a:rPr lang="ru-RU" dirty="0" err="1"/>
+              <a:t>рандомизировать</a:t>
+            </a:r>
+            <a:r>
+              <a:rPr lang="ru-RU" dirty="0"/>
+              <a:t> выбор слова, чтобы ответы получались интереснее</a:t>
+            </a:r>
+          </a:p>
+        </p:txBody>
+      </p:sp>
+    </p:spTree>
+    <p:extLst>
+      <p:ext uri="{BB962C8B-B14F-4D97-AF65-F5344CB8AC3E}">
+        <p14:creationId xmlns:p14="http://schemas.microsoft.com/office/powerpoint/2010/main" val="2855806274"/>
+      </p:ext>
+    </p:extLst>
+  </p:cSld>
+  <p:clrMapOvr>
+    <a:masterClrMapping/>
+  </p:clrMapOvr>
+</p:sld>
+</file>
+
+<file path=ppt/slides/slide13.xml><?xml version="1.0" encoding="utf-8"?>
+<p:sld xmlns:a="http://schemas.openxmlformats.org/drawingml/2006/main" xmlns:r="http://schemas.openxmlformats.org/officeDocument/2006/relationships" xmlns:p="http://schemas.openxmlformats.org/presentationml/2006/main">
+  <p:cSld>
+    <p:spTree>
+      <p:nvGrpSpPr>
+        <p:cNvPr id="1" name=""/>
+        <p:cNvGrpSpPr/>
+        <p:nvPr/>
+      </p:nvGrpSpPr>
+      <p:grpSpPr>
+        <a:xfrm>
+          <a:off x="0" y="0"/>
+          <a:ext cx="0" cy="0"/>
+          <a:chOff x="0" y="0"/>
+          <a:chExt cx="0" cy="0"/>
+        </a:xfrm>
+      </p:grpSpPr>
+      <p:sp>
+        <p:nvSpPr>
+          <p:cNvPr id="152" name="PlaceHolder 1"/>
+          <p:cNvSpPr>
+            <a:spLocks noGrp="1"/>
+          </p:cNvSpPr>
+          <p:nvPr>
+            <p:ph type="title"/>
+          </p:nvPr>
+        </p:nvSpPr>
+        <p:spPr>
+          <a:xfrm>
+            <a:off x="360000" y="225720"/>
+            <a:ext cx="9360000" cy="718920"/>
+          </a:xfrm>
+          <a:prstGeom prst="rect">
+            <a:avLst/>
+          </a:prstGeom>
+          <a:noFill/>
+          <a:ln w="0">
+            <a:noFill/>
+          </a:ln>
+        </p:spPr>
+        <p:txBody>
+          <a:bodyPr lIns="0" tIns="0" rIns="0" bIns="0" anchor="ctr">
+            <a:noAutofit/>
+          </a:bodyPr>
+          <a:lstStyle/>
+          <a:p>
+            <a:pPr indent="0">
+              <a:buNone/>
+            </a:pPr>
+            <a:r>
+              <a:rPr lang="en-US" sz="2700" b="1" spc="-1" dirty="0">
+                <a:solidFill>
+                  <a:srgbClr val="FFFFFF"/>
+                </a:solidFill>
+                <a:latin typeface="Source Sans Pro Black"/>
+              </a:rPr>
+              <a:t>GPT</a:t>
+            </a:r>
+            <a:r>
+              <a:rPr lang="ru-RU" sz="2700" b="1" spc="-1" dirty="0">
+                <a:solidFill>
+                  <a:srgbClr val="FFFFFF"/>
+                </a:solidFill>
+                <a:latin typeface="Source Sans Pro Black"/>
+              </a:rPr>
+              <a:t> </a:t>
+            </a:r>
+            <a:r>
+              <a:rPr lang="en-US" sz="2700" b="1" spc="-1" dirty="0">
+                <a:solidFill>
+                  <a:srgbClr val="FFFFFF"/>
+                </a:solidFill>
+                <a:latin typeface="Source Sans Pro Black"/>
+              </a:rPr>
+              <a:t>vs</a:t>
+            </a:r>
+            <a:r>
+              <a:rPr lang="ru-RU" sz="2700" b="1" spc="-1" dirty="0">
+                <a:solidFill>
+                  <a:srgbClr val="FFFFFF"/>
+                </a:solidFill>
+                <a:latin typeface="Source Sans Pro Black"/>
+              </a:rPr>
+              <a:t> </a:t>
+            </a:r>
+            <a:r>
+              <a:rPr lang="en-US" sz="2700" b="1" spc="-1" dirty="0">
+                <a:solidFill>
+                  <a:srgbClr val="FFFFFF"/>
+                </a:solidFill>
+                <a:latin typeface="Source Sans Pro Black"/>
+              </a:rPr>
+              <a:t>BERT</a:t>
+            </a:r>
+            <a:endParaRPr lang="ru-RU" sz="2700" b="1" strike="noStrike" spc="-1" dirty="0">
+              <a:solidFill>
+                <a:srgbClr val="FFFFFF"/>
+              </a:solidFill>
+              <a:latin typeface="Source Sans Pro Black"/>
+            </a:endParaRPr>
+          </a:p>
+        </p:txBody>
+      </p:sp>
+      <p:sp>
+        <p:nvSpPr>
+          <p:cNvPr id="3" name="TextBox 2">
+            <a:extLst>
+              <a:ext uri="{FF2B5EF4-FFF2-40B4-BE49-F238E27FC236}">
+                <a16:creationId xmlns:a16="http://schemas.microsoft.com/office/drawing/2014/main" id="{F4002302-D3AB-4359-80FE-799B9EEFBCDC}"/>
+              </a:ext>
+            </a:extLst>
+          </p:cNvPr>
+          <p:cNvSpPr txBox="1"/>
+          <p:nvPr/>
+        </p:nvSpPr>
+        <p:spPr>
+          <a:xfrm>
+            <a:off x="345536" y="1534593"/>
+            <a:ext cx="4694464" cy="2031325"/>
+          </a:xfrm>
+          <a:prstGeom prst="rect">
+            <a:avLst/>
+          </a:prstGeom>
+          <a:noFill/>
+        </p:spPr>
+        <p:txBody>
+          <a:bodyPr wrap="square" rtlCol="0">
+            <a:spAutoFit/>
+          </a:bodyPr>
+          <a:lstStyle/>
+          <a:p>
+            <a:r>
+              <a:rPr lang="ru-RU" dirty="0"/>
+              <a:t>GPT - это </a:t>
+            </a:r>
+            <a:r>
+              <a:rPr lang="ru-RU" dirty="0" err="1"/>
+              <a:t>авторегрессивный</a:t>
+            </a:r>
+            <a:r>
+              <a:rPr lang="ru-RU" dirty="0"/>
+              <a:t> декодер трансформер, что означает, что каждый токен предсказывается и обусловливается предыдущим токеном. Нам не нужен кодировщик, потому что предыдущие токены принимаются самим декодером. </a:t>
+            </a:r>
+          </a:p>
+        </p:txBody>
+      </p:sp>
+      <p:sp>
+        <p:nvSpPr>
+          <p:cNvPr id="5" name="TextBox 4">
+            <a:extLst>
+              <a:ext uri="{FF2B5EF4-FFF2-40B4-BE49-F238E27FC236}">
+                <a16:creationId xmlns:a16="http://schemas.microsoft.com/office/drawing/2014/main" id="{22EAB4C7-510E-4D00-BC5B-057376732CB7}"/>
+              </a:ext>
+            </a:extLst>
+          </p:cNvPr>
+          <p:cNvSpPr txBox="1"/>
+          <p:nvPr/>
+        </p:nvSpPr>
+        <p:spPr>
+          <a:xfrm>
+            <a:off x="5216978" y="1534593"/>
+            <a:ext cx="4503021" cy="3416320"/>
+          </a:xfrm>
+          <a:prstGeom prst="rect">
+            <a:avLst/>
+          </a:prstGeom>
+          <a:noFill/>
+        </p:spPr>
+        <p:txBody>
+          <a:bodyPr wrap="square" rtlCol="0">
+            <a:spAutoFit/>
+          </a:bodyPr>
+          <a:lstStyle/>
+          <a:p>
+            <a:r>
+              <a:rPr lang="ru-RU" dirty="0"/>
+              <a:t>BERT - это кодировщик трансформер, что означает, что для каждой позиции на входе на выходе в одной и той же позиции находится один и тот же токен (или токен [MASK] для замаскированных токенов), то есть входные и выходные позиции каждого токена одинаковы. Модели, использующие только стек кодировщика, такие как BERT, генерируют все его выходные данные одновременно.</a:t>
+            </a:r>
+          </a:p>
+        </p:txBody>
+      </p:sp>
+    </p:spTree>
+    <p:extLst>
+      <p:ext uri="{BB962C8B-B14F-4D97-AF65-F5344CB8AC3E}">
+        <p14:creationId xmlns:p14="http://schemas.microsoft.com/office/powerpoint/2010/main" val="906608155"/>
+      </p:ext>
+    </p:extLst>
+  </p:cSld>
+  <p:clrMapOvr>
+    <a:masterClrMapping/>
+  </p:clrMapOvr>
+</p:sld>
+</file>
+
+<file path=ppt/slides/slide14.xml><?xml version="1.0" encoding="utf-8"?>
+<p:sld xmlns:a="http://schemas.openxmlformats.org/drawingml/2006/main" xmlns:r="http://schemas.openxmlformats.org/officeDocument/2006/relationships" xmlns:p="http://schemas.openxmlformats.org/presentationml/2006/main">
+  <p:cSld>
+    <p:spTree>
+      <p:nvGrpSpPr>
+        <p:cNvPr id="1" name=""/>
+        <p:cNvGrpSpPr/>
+        <p:nvPr/>
+      </p:nvGrpSpPr>
+      <p:grpSpPr>
+        <a:xfrm>
+          <a:off x="0" y="0"/>
+          <a:ext cx="0" cy="0"/>
+          <a:chOff x="0" y="0"/>
+          <a:chExt cx="0" cy="0"/>
+        </a:xfrm>
+      </p:grpSpPr>
+      <p:sp>
+        <p:nvSpPr>
+          <p:cNvPr id="152" name="PlaceHolder 1"/>
+          <p:cNvSpPr>
+            <a:spLocks noGrp="1"/>
+          </p:cNvSpPr>
+          <p:nvPr>
+            <p:ph type="title"/>
+          </p:nvPr>
+        </p:nvSpPr>
+        <p:spPr>
+          <a:xfrm>
+            <a:off x="360000" y="225720"/>
+            <a:ext cx="9360000" cy="718920"/>
+          </a:xfrm>
+          <a:prstGeom prst="rect">
+            <a:avLst/>
+          </a:prstGeom>
+          <a:noFill/>
+          <a:ln w="0">
+            <a:noFill/>
+          </a:ln>
+        </p:spPr>
+        <p:txBody>
+          <a:bodyPr lIns="0" tIns="0" rIns="0" bIns="0" anchor="ctr">
+            <a:noAutofit/>
+          </a:bodyPr>
+          <a:lstStyle/>
+          <a:p>
+            <a:pPr indent="0">
+              <a:buNone/>
+            </a:pPr>
+            <a:r>
+              <a:rPr lang="en-US" sz="2700" b="1" spc="-1" dirty="0">
+                <a:solidFill>
+                  <a:srgbClr val="FFFFFF"/>
+                </a:solidFill>
+                <a:latin typeface="Source Sans Pro Black"/>
+              </a:rPr>
+              <a:t>GPT </a:t>
+            </a:r>
+            <a:r>
+              <a:rPr lang="ru-RU" sz="2700" b="1" spc="-1" dirty="0">
+                <a:solidFill>
+                  <a:srgbClr val="FFFFFF"/>
+                </a:solidFill>
+                <a:latin typeface="Source Sans Pro Black"/>
+              </a:rPr>
+              <a:t>и </a:t>
+            </a:r>
+            <a:r>
+              <a:rPr lang="en-US" sz="2700" b="1" spc="-1" dirty="0">
+                <a:solidFill>
+                  <a:srgbClr val="FFFFFF"/>
+                </a:solidFill>
+                <a:latin typeface="Source Sans Pro Black"/>
+              </a:rPr>
+              <a:t>BERT </a:t>
+            </a:r>
+            <a:r>
+              <a:rPr lang="ru-RU" sz="2700" b="1" spc="-1" dirty="0">
+                <a:solidFill>
+                  <a:srgbClr val="FFFFFF"/>
+                </a:solidFill>
+                <a:latin typeface="Source Sans Pro Black"/>
+              </a:rPr>
+              <a:t>применения</a:t>
+            </a:r>
+            <a:endParaRPr lang="ru-RU" sz="2700" b="1" strike="noStrike" spc="-1" dirty="0">
+              <a:solidFill>
+                <a:srgbClr val="FFFFFF"/>
+              </a:solidFill>
+              <a:latin typeface="Source Sans Pro Black"/>
+            </a:endParaRPr>
+          </a:p>
+        </p:txBody>
+      </p:sp>
+      <p:sp>
+        <p:nvSpPr>
+          <p:cNvPr id="2" name="TextBox 1">
+            <a:extLst>
+              <a:ext uri="{FF2B5EF4-FFF2-40B4-BE49-F238E27FC236}">
+                <a16:creationId xmlns:a16="http://schemas.microsoft.com/office/drawing/2014/main" id="{F184FC63-B8B3-441E-B487-DB9894CF3776}"/>
+              </a:ext>
+            </a:extLst>
+          </p:cNvPr>
+          <p:cNvSpPr txBox="1"/>
+          <p:nvPr/>
+        </p:nvSpPr>
+        <p:spPr>
+          <a:xfrm>
+            <a:off x="360000" y="2438478"/>
+            <a:ext cx="4000500" cy="1200329"/>
+          </a:xfrm>
+          <a:prstGeom prst="rect">
+            <a:avLst/>
+          </a:prstGeom>
+          <a:noFill/>
+        </p:spPr>
+        <p:txBody>
+          <a:bodyPr wrap="square" rtlCol="0">
+            <a:spAutoFit/>
+          </a:bodyPr>
+          <a:lstStyle/>
+          <a:p>
+            <a:pPr marL="285750" indent="-285750">
+              <a:buFont typeface="Arial" panose="020B0604020202020204" pitchFamily="34" charset="0"/>
+              <a:buChar char="•"/>
+            </a:pPr>
+            <a:r>
+              <a:rPr lang="ru-RU" dirty="0"/>
+              <a:t>Генерация языка</a:t>
+            </a:r>
+          </a:p>
+          <a:p>
+            <a:pPr marL="285750" indent="-285750">
+              <a:buFont typeface="Arial" panose="020B0604020202020204" pitchFamily="34" charset="0"/>
+              <a:buChar char="•"/>
+            </a:pPr>
+            <a:r>
+              <a:rPr lang="ru-RU" dirty="0"/>
+              <a:t>Обучение на любых неразмеченных данных</a:t>
+            </a:r>
+          </a:p>
+          <a:p>
+            <a:pPr marL="285750" indent="-285750">
+              <a:buFont typeface="Arial" panose="020B0604020202020204" pitchFamily="34" charset="0"/>
+              <a:buChar char="•"/>
+            </a:pPr>
+            <a:endParaRPr lang="ru-RU" dirty="0"/>
+          </a:p>
+        </p:txBody>
+      </p:sp>
+      <p:sp>
+        <p:nvSpPr>
+          <p:cNvPr id="6" name="TextBox 5">
+            <a:extLst>
+              <a:ext uri="{FF2B5EF4-FFF2-40B4-BE49-F238E27FC236}">
+                <a16:creationId xmlns:a16="http://schemas.microsoft.com/office/drawing/2014/main" id="{028F1CB2-A68F-493F-824A-8DD0C10BD3AD}"/>
+              </a:ext>
+            </a:extLst>
+          </p:cNvPr>
+          <p:cNvSpPr txBox="1"/>
+          <p:nvPr/>
+        </p:nvSpPr>
+        <p:spPr>
+          <a:xfrm>
+            <a:off x="5301257" y="2438479"/>
+            <a:ext cx="4000500" cy="1200329"/>
+          </a:xfrm>
+          <a:prstGeom prst="rect">
+            <a:avLst/>
+          </a:prstGeom>
+          <a:noFill/>
+        </p:spPr>
+        <p:txBody>
+          <a:bodyPr wrap="square" rtlCol="0">
+            <a:spAutoFit/>
+          </a:bodyPr>
+          <a:lstStyle/>
+          <a:p>
+            <a:pPr marL="285750" indent="-285750">
+              <a:buFont typeface="Arial" panose="020B0604020202020204" pitchFamily="34" charset="0"/>
+              <a:buChar char="•"/>
+            </a:pPr>
+            <a:r>
+              <a:rPr lang="ru-RU" dirty="0"/>
+              <a:t>Задачи классификации</a:t>
+            </a:r>
+          </a:p>
+          <a:p>
+            <a:pPr marL="285750" indent="-285750">
+              <a:buFont typeface="Arial" panose="020B0604020202020204" pitchFamily="34" charset="0"/>
+              <a:buChar char="•"/>
+            </a:pPr>
+            <a:r>
+              <a:rPr lang="ru-RU" dirty="0"/>
+              <a:t>Задачи, где нужна минимальная вероятность ошибки или неточности</a:t>
+            </a:r>
+          </a:p>
+        </p:txBody>
+      </p:sp>
+      <p:sp>
+        <p:nvSpPr>
+          <p:cNvPr id="4" name="TextBox 3">
+            <a:extLst>
+              <a:ext uri="{FF2B5EF4-FFF2-40B4-BE49-F238E27FC236}">
+                <a16:creationId xmlns:a16="http://schemas.microsoft.com/office/drawing/2014/main" id="{A97F26CC-87AD-4CA8-90BE-FB5631D957F9}"/>
+              </a:ext>
+            </a:extLst>
+          </p:cNvPr>
+          <p:cNvSpPr txBox="1"/>
+          <p:nvPr/>
+        </p:nvSpPr>
+        <p:spPr>
+          <a:xfrm>
+            <a:off x="1372373" y="1763486"/>
+            <a:ext cx="693192" cy="369332"/>
+          </a:xfrm>
+          <a:prstGeom prst="rect">
+            <a:avLst/>
+          </a:prstGeom>
+          <a:noFill/>
+        </p:spPr>
+        <p:txBody>
+          <a:bodyPr wrap="square" rtlCol="0">
+            <a:spAutoFit/>
+          </a:bodyPr>
+          <a:lstStyle/>
+          <a:p>
+            <a:r>
+              <a:rPr lang="en-US" b="1" dirty="0"/>
+              <a:t>GPT</a:t>
+            </a:r>
+            <a:endParaRPr lang="ru-RU" b="1" dirty="0"/>
+          </a:p>
+        </p:txBody>
+      </p:sp>
+      <p:sp>
+        <p:nvSpPr>
+          <p:cNvPr id="9" name="TextBox 8">
+            <a:extLst>
+              <a:ext uri="{FF2B5EF4-FFF2-40B4-BE49-F238E27FC236}">
+                <a16:creationId xmlns:a16="http://schemas.microsoft.com/office/drawing/2014/main" id="{D566F8EB-3666-40C1-A32F-40DE79EB3BC1}"/>
+              </a:ext>
+            </a:extLst>
+          </p:cNvPr>
+          <p:cNvSpPr txBox="1"/>
+          <p:nvPr/>
+        </p:nvSpPr>
+        <p:spPr>
+          <a:xfrm>
+            <a:off x="6407015" y="1763486"/>
+            <a:ext cx="1218427" cy="369332"/>
+          </a:xfrm>
+          <a:prstGeom prst="rect">
+            <a:avLst/>
+          </a:prstGeom>
+          <a:noFill/>
+        </p:spPr>
+        <p:txBody>
+          <a:bodyPr wrap="square" rtlCol="0">
+            <a:spAutoFit/>
+          </a:bodyPr>
+          <a:lstStyle/>
+          <a:p>
+            <a:r>
+              <a:rPr lang="en-US" b="1" dirty="0"/>
+              <a:t>BERT</a:t>
+            </a:r>
+            <a:endParaRPr lang="ru-RU" b="1" dirty="0"/>
+          </a:p>
+        </p:txBody>
+      </p:sp>
+    </p:spTree>
+    <p:extLst>
+      <p:ext uri="{BB962C8B-B14F-4D97-AF65-F5344CB8AC3E}">
+        <p14:creationId xmlns:p14="http://schemas.microsoft.com/office/powerpoint/2010/main" val="1045671220"/>
+      </p:ext>
+    </p:extLst>
   </p:cSld>
   <p:clrMapOvr>
     <a:masterClrMapping/>
@@ -12317,7 +13467,7 @@
       </p:grpSpPr>
       <p:sp>
         <p:nvSpPr>
-          <p:cNvPr id="152" name="PlaceHolder 1"/>
+          <p:cNvPr id="155" name="PlaceHolder 1"/>
           <p:cNvSpPr>
             <a:spLocks noGrp="1"/>
           </p:cNvSpPr>
@@ -12327,8 +13477,8 @@
         </p:nvSpPr>
         <p:spPr>
           <a:xfrm>
-            <a:off x="360000" y="225720"/>
-            <a:ext cx="9360000" cy="718920"/>
+            <a:off x="2700000" y="1440000"/>
+            <a:ext cx="4680000" cy="1620000"/>
           </a:xfrm>
           <a:prstGeom prst="rect">
             <a:avLst/>
@@ -12339,26 +13489,17 @@
           </a:ln>
         </p:spPr>
         <p:txBody>
-          <a:bodyPr lIns="0" tIns="0" rIns="0" bIns="0" anchor="ctr">
+          <a:bodyPr lIns="0" tIns="0" rIns="0" bIns="0" anchor="ctr" anchorCtr="1">
             <a:noAutofit/>
           </a:bodyPr>
           <a:lstStyle/>
           <a:p>
-            <a:pPr indent="0">
+            <a:pPr indent="0" algn="ctr">
               <a:buNone/>
             </a:pPr>
-            <a:r>
-              <a:rPr lang="en-US" sz="2700" b="1" spc="-1" dirty="0">
-                <a:solidFill>
-                  <a:srgbClr val="FFFFFF"/>
-                </a:solidFill>
-                <a:latin typeface="Source Sans Pro Black"/>
-              </a:rPr>
-              <a:t>GPT</a:t>
-            </a:r>
-            <a:endParaRPr lang="ru-RU" sz="2700" b="1" strike="noStrike" spc="-1" dirty="0">
+            <a:endParaRPr lang="ru-RU" sz="2700" b="1" strike="noStrike" spc="-1">
               <a:solidFill>
-                <a:srgbClr val="FFFFFF"/>
+                <a:srgbClr val="2C3E50"/>
               </a:solidFill>
               <a:latin typeface="Source Sans Pro Black"/>
             </a:endParaRPr>
@@ -12367,156 +13508,27 @@
       </p:sp>
       <p:sp>
         <p:nvSpPr>
-          <p:cNvPr id="153" name="PlaceHolder 2"/>
-          <p:cNvSpPr>
-            <a:spLocks noGrp="1"/>
-          </p:cNvSpPr>
-          <p:nvPr>
-            <p:ph/>
-          </p:nvPr>
-        </p:nvSpPr>
-        <p:spPr>
-          <a:xfrm>
-            <a:off x="360000" y="1485000"/>
-            <a:ext cx="9360000" cy="3780000"/>
-          </a:xfrm>
-          <a:prstGeom prst="rect">
-            <a:avLst/>
-          </a:prstGeom>
-          <a:noFill/>
-          <a:ln w="0">
-            <a:noFill/>
-          </a:ln>
-        </p:spPr>
-        <p:txBody>
-          <a:bodyPr lIns="0" tIns="0" rIns="0" bIns="0" anchor="t">
-            <a:normAutofit/>
-          </a:bodyPr>
-          <a:lstStyle/>
-          <a:p>
-            <a:pPr indent="0">
-              <a:spcAft>
-                <a:spcPts val="1057"/>
-              </a:spcAft>
-              <a:buNone/>
-            </a:pPr>
-            <a:r>
-              <a:rPr lang="en-US" sz="2400" b="1" spc="-1" dirty="0">
-                <a:solidFill>
-                  <a:srgbClr val="2C3E50"/>
-                </a:solidFill>
-                <a:latin typeface="Source Sans Pro Semibold"/>
-              </a:rPr>
-              <a:t>GPT (Generative Pre-trained Transformer) – </a:t>
-            </a:r>
-            <a:r>
-              <a:rPr lang="ru-RU" sz="2400" b="1" spc="-1" dirty="0">
-                <a:solidFill>
-                  <a:srgbClr val="2C3E50"/>
-                </a:solidFill>
-                <a:latin typeface="Source Sans Pro Semibold"/>
-              </a:rPr>
-              <a:t>нейросеть, генерирующая продолжение текста, на основе вероятности такой последовательности слов в языке</a:t>
-            </a:r>
-          </a:p>
-        </p:txBody>
-      </p:sp>
-      <p:pic>
-        <p:nvPicPr>
-          <p:cNvPr id="3" name="Рисунок 2">
-            <a:extLst>
-              <a:ext uri="{FF2B5EF4-FFF2-40B4-BE49-F238E27FC236}">
-                <a16:creationId xmlns:a16="http://schemas.microsoft.com/office/drawing/2014/main" id="{1138A236-FBC0-4067-B046-958FD3D976F8}"/>
-              </a:ext>
-            </a:extLst>
-          </p:cNvPr>
-          <p:cNvPicPr>
-            <a:picLocks noChangeAspect="1"/>
-          </p:cNvPicPr>
-          <p:nvPr/>
-        </p:nvPicPr>
-        <p:blipFill>
-          <a:blip r:embed="rId2"/>
-          <a:stretch>
-            <a:fillRect/>
-          </a:stretch>
-        </p:blipFill>
-        <p:spPr>
-          <a:xfrm>
-            <a:off x="359999" y="4230882"/>
-            <a:ext cx="1046773" cy="788158"/>
-          </a:xfrm>
-          <a:prstGeom prst="rect">
-            <a:avLst/>
-          </a:prstGeom>
-        </p:spPr>
-      </p:pic>
-      <p:pic>
-        <p:nvPicPr>
-          <p:cNvPr id="5" name="Рисунок 4">
-            <a:extLst>
-              <a:ext uri="{FF2B5EF4-FFF2-40B4-BE49-F238E27FC236}">
-                <a16:creationId xmlns:a16="http://schemas.microsoft.com/office/drawing/2014/main" id="{5E886D4B-F68B-468D-9018-FF3964BCCD66}"/>
-              </a:ext>
-            </a:extLst>
-          </p:cNvPr>
-          <p:cNvPicPr>
-            <a:picLocks noChangeAspect="1"/>
-          </p:cNvPicPr>
-          <p:nvPr/>
-        </p:nvPicPr>
-        <p:blipFill>
-          <a:blip r:embed="rId3"/>
-          <a:stretch>
-            <a:fillRect/>
-          </a:stretch>
-        </p:blipFill>
-        <p:spPr>
-          <a:xfrm>
-            <a:off x="1524542" y="4358640"/>
-            <a:ext cx="3053633" cy="584099"/>
-          </a:xfrm>
-          <a:prstGeom prst="rect">
-            <a:avLst/>
-          </a:prstGeom>
-        </p:spPr>
-      </p:pic>
-      <p:pic>
-        <p:nvPicPr>
-          <p:cNvPr id="7" name="Рисунок 6">
-            <a:extLst>
-              <a:ext uri="{FF2B5EF4-FFF2-40B4-BE49-F238E27FC236}">
-                <a16:creationId xmlns:a16="http://schemas.microsoft.com/office/drawing/2014/main" id="{4DF7E99B-7E64-4A8C-BE12-60C76AE1E3C4}"/>
-              </a:ext>
-            </a:extLst>
-          </p:cNvPr>
-          <p:cNvPicPr>
-            <a:picLocks noChangeAspect="1"/>
-          </p:cNvPicPr>
-          <p:nvPr/>
-        </p:nvPicPr>
-        <p:blipFill>
-          <a:blip r:embed="rId4"/>
-          <a:stretch>
-            <a:fillRect/>
-          </a:stretch>
-        </p:blipFill>
-        <p:spPr>
-          <a:xfrm>
-            <a:off x="4797283" y="4358640"/>
-            <a:ext cx="1818243" cy="584099"/>
-          </a:xfrm>
-          <a:prstGeom prst="rect">
-            <a:avLst/>
-          </a:prstGeom>
-        </p:spPr>
-      </p:pic>
+          <p:cNvPr id="3" name="PlaceHolder 2"/>
+          <p:cNvSpPr>
+            <a:spLocks noGrp="1"/>
+          </p:cNvSpPr>
+          <p:nvPr>
+            <p:ph type="sldNum" idx="8"/>
+          </p:nvPr>
+        </p:nvSpPr>
+        <p:spPr/>
+        <p:txBody>
+          <a:bodyPr/>
+          <a:lstStyle/>
+          <a:p>
+            <a:fld id="{B883279E-E5CF-42B8-8C1E-29207197885E}" type="slidenum">
+              <a:t>8</a:t>
+            </a:fld>
+            <a:endParaRPr/>
+          </a:p>
+        </p:txBody>
+      </p:sp>
     </p:spTree>
-    <p:extLst>
-      <p:ext uri="{BB962C8B-B14F-4D97-AF65-F5344CB8AC3E}">
-        <p14:creationId xmlns:p14="http://schemas.microsoft.com/office/powerpoint/2010/main" val="358602712"/>
-      </p:ext>
-    </p:extLst>
   </p:cSld>
   <p:clrMapOvr>
     <a:masterClrMapping/>
@@ -12593,319 +13605,154 @@
       </p:sp>
       <p:sp>
         <p:nvSpPr>
-          <p:cNvPr id="3" name="TextBox 2">
+          <p:cNvPr id="153" name="PlaceHolder 2"/>
+          <p:cNvSpPr>
+            <a:spLocks noGrp="1"/>
+          </p:cNvSpPr>
+          <p:nvPr>
+            <p:ph/>
+          </p:nvPr>
+        </p:nvSpPr>
+        <p:spPr>
+          <a:xfrm>
+            <a:off x="360000" y="1485000"/>
+            <a:ext cx="9360000" cy="3780000"/>
+          </a:xfrm>
+          <a:prstGeom prst="rect">
+            <a:avLst/>
+          </a:prstGeom>
+          <a:noFill/>
+          <a:ln w="0">
+            <a:noFill/>
+          </a:ln>
+        </p:spPr>
+        <p:txBody>
+          <a:bodyPr lIns="0" tIns="0" rIns="0" bIns="0" anchor="t">
+            <a:normAutofit/>
+          </a:bodyPr>
+          <a:lstStyle/>
+          <a:p>
+            <a:pPr indent="0">
+              <a:spcAft>
+                <a:spcPts val="1057"/>
+              </a:spcAft>
+              <a:buNone/>
+            </a:pPr>
+            <a:r>
+              <a:rPr lang="en-US" sz="2400" b="1" spc="-1" dirty="0">
+                <a:solidFill>
+                  <a:srgbClr val="2C3E50"/>
+                </a:solidFill>
+                <a:latin typeface="Source Sans Pro Semibold"/>
+              </a:rPr>
+              <a:t>GPT (Generative Pre-trained Transformer) – </a:t>
+            </a:r>
+            <a:r>
+              <a:rPr lang="ru-RU" sz="2400" b="1" spc="-1" dirty="0">
+                <a:solidFill>
+                  <a:srgbClr val="2C3E50"/>
+                </a:solidFill>
+                <a:latin typeface="Source Sans Pro Semibold"/>
+              </a:rPr>
+              <a:t>нейросеть, генерирующая продолжение текста, на основе вероятности такой последовательности слов в языке</a:t>
+            </a:r>
+          </a:p>
+        </p:txBody>
+      </p:sp>
+      <p:pic>
+        <p:nvPicPr>
+          <p:cNvPr id="3" name="Рисунок 2">
             <a:extLst>
               <a:ext uri="{FF2B5EF4-FFF2-40B4-BE49-F238E27FC236}">
-                <a16:creationId xmlns:a16="http://schemas.microsoft.com/office/drawing/2014/main" id="{A2D3CBDE-7DE9-40C2-AD2F-096463AC3CAD}"/>
+                <a16:creationId xmlns:a16="http://schemas.microsoft.com/office/drawing/2014/main" id="{1138A236-FBC0-4067-B046-958FD3D976F8}"/>
               </a:ext>
             </a:extLst>
           </p:cNvPr>
-          <p:cNvSpPr txBox="1"/>
+          <p:cNvPicPr>
+            <a:picLocks noChangeAspect="1"/>
+          </p:cNvPicPr>
           <p:nvPr/>
-        </p:nvSpPr>
-        <p:spPr>
-          <a:xfrm flipH="1">
-            <a:off x="1102358" y="1584960"/>
-            <a:ext cx="8244841" cy="1477328"/>
-          </a:xfrm>
-          <a:prstGeom prst="rect">
-            <a:avLst/>
-          </a:prstGeom>
-          <a:noFill/>
-        </p:spPr>
-        <p:txBody>
-          <a:bodyPr wrap="square" rtlCol="0">
-            <a:spAutoFit/>
-          </a:bodyPr>
-          <a:lstStyle/>
-          <a:p>
-            <a:r>
-              <a:rPr lang="ru-RU" dirty="0"/>
-              <a:t>Текст разбивается на токены, которые сопоставляются с целыми числами в соответствии вокабулярия – данных, на которых обучалась модель</a:t>
-            </a:r>
-          </a:p>
-          <a:p>
-            <a:endParaRPr lang="ru-RU" dirty="0"/>
-          </a:p>
-          <a:p>
-            <a:endParaRPr lang="ru-RU" dirty="0"/>
-          </a:p>
-          <a:p>
-            <a:r>
-              <a:rPr lang="ru-RU" dirty="0"/>
-              <a:t>Пример:</a:t>
-            </a:r>
-          </a:p>
-        </p:txBody>
-      </p:sp>
-      <p:sp>
-        <p:nvSpPr>
-          <p:cNvPr id="7" name="TextBox 6">
+        </p:nvPicPr>
+        <p:blipFill>
+          <a:blip r:embed="rId2"/>
+          <a:stretch>
+            <a:fillRect/>
+          </a:stretch>
+        </p:blipFill>
+        <p:spPr>
+          <a:xfrm>
+            <a:off x="359999" y="4230882"/>
+            <a:ext cx="1046773" cy="788158"/>
+          </a:xfrm>
+          <a:prstGeom prst="rect">
+            <a:avLst/>
+          </a:prstGeom>
+        </p:spPr>
+      </p:pic>
+      <p:pic>
+        <p:nvPicPr>
+          <p:cNvPr id="5" name="Рисунок 4">
             <a:extLst>
               <a:ext uri="{FF2B5EF4-FFF2-40B4-BE49-F238E27FC236}">
-                <a16:creationId xmlns:a16="http://schemas.microsoft.com/office/drawing/2014/main" id="{32F02A77-E13A-4758-B1F7-4F7EF282F5C1}"/>
+                <a16:creationId xmlns:a16="http://schemas.microsoft.com/office/drawing/2014/main" id="{5E886D4B-F68B-468D-9018-FF3964BCCD66}"/>
               </a:ext>
             </a:extLst>
           </p:cNvPr>
-          <p:cNvSpPr txBox="1"/>
+          <p:cNvPicPr>
+            <a:picLocks noChangeAspect="1"/>
+          </p:cNvPicPr>
           <p:nvPr/>
-        </p:nvSpPr>
-        <p:spPr>
-          <a:xfrm>
-            <a:off x="1102358" y="3254594"/>
-            <a:ext cx="6456682" cy="369332"/>
-          </a:xfrm>
-          <a:prstGeom prst="rect">
-            <a:avLst/>
-          </a:prstGeom>
-          <a:noFill/>
-        </p:spPr>
-        <p:txBody>
-          <a:bodyPr wrap="square">
-            <a:spAutoFit/>
-          </a:bodyPr>
-          <a:lstStyle/>
-          <a:p>
-            <a:r>
-              <a:rPr lang="en-US" b="0" i="0" dirty="0">
-                <a:solidFill>
-                  <a:srgbClr val="4D4D4C"/>
-                </a:solidFill>
-                <a:effectLst/>
-                <a:latin typeface="Menlo"/>
-              </a:rPr>
-              <a:t>vocab = [</a:t>
-            </a:r>
-            <a:r>
-              <a:rPr lang="en-US" b="0" i="0" dirty="0">
-                <a:solidFill>
-                  <a:srgbClr val="718C00"/>
-                </a:solidFill>
-                <a:effectLst/>
-                <a:latin typeface="Menlo"/>
-              </a:rPr>
-              <a:t>"all"</a:t>
-            </a:r>
-            <a:r>
-              <a:rPr lang="en-US" b="0" i="0" dirty="0">
-                <a:solidFill>
-                  <a:srgbClr val="4D4D4C"/>
-                </a:solidFill>
-                <a:effectLst/>
-                <a:latin typeface="Menlo"/>
-              </a:rPr>
-              <a:t>, </a:t>
-            </a:r>
-            <a:r>
-              <a:rPr lang="en-US" b="0" i="0" dirty="0">
-                <a:solidFill>
-                  <a:srgbClr val="718C00"/>
-                </a:solidFill>
-                <a:effectLst/>
-                <a:latin typeface="Menlo"/>
-              </a:rPr>
-              <a:t>"not"</a:t>
-            </a:r>
-            <a:r>
-              <a:rPr lang="en-US" b="0" i="0" dirty="0">
-                <a:solidFill>
-                  <a:srgbClr val="4D4D4C"/>
-                </a:solidFill>
-                <a:effectLst/>
-                <a:latin typeface="Menlo"/>
-              </a:rPr>
-              <a:t>, </a:t>
-            </a:r>
-            <a:r>
-              <a:rPr lang="en-US" b="0" i="0" dirty="0">
-                <a:solidFill>
-                  <a:srgbClr val="718C00"/>
-                </a:solidFill>
-                <a:effectLst/>
-                <a:latin typeface="Menlo"/>
-              </a:rPr>
-              <a:t>"heroes"</a:t>
-            </a:r>
-            <a:r>
-              <a:rPr lang="en-US" b="0" i="0" dirty="0">
-                <a:solidFill>
-                  <a:srgbClr val="4D4D4C"/>
-                </a:solidFill>
-                <a:effectLst/>
-                <a:latin typeface="Menlo"/>
-              </a:rPr>
-              <a:t>, </a:t>
-            </a:r>
-            <a:r>
-              <a:rPr lang="en-US" b="0" i="0" dirty="0">
-                <a:solidFill>
-                  <a:srgbClr val="718C00"/>
-                </a:solidFill>
-                <a:effectLst/>
-                <a:latin typeface="Menlo"/>
-              </a:rPr>
-              <a:t>"the"</a:t>
-            </a:r>
-            <a:r>
-              <a:rPr lang="en-US" b="0" i="0" dirty="0">
-                <a:solidFill>
-                  <a:srgbClr val="4D4D4C"/>
-                </a:solidFill>
-                <a:effectLst/>
-                <a:latin typeface="Menlo"/>
-              </a:rPr>
-              <a:t>, </a:t>
-            </a:r>
-            <a:r>
-              <a:rPr lang="en-US" b="0" i="0" dirty="0">
-                <a:solidFill>
-                  <a:srgbClr val="718C00"/>
-                </a:solidFill>
-                <a:effectLst/>
-                <a:latin typeface="Menlo"/>
-              </a:rPr>
-              <a:t>"wear"</a:t>
-            </a:r>
-            <a:r>
-              <a:rPr lang="en-US" b="0" i="0" dirty="0">
-                <a:solidFill>
-                  <a:srgbClr val="4D4D4C"/>
-                </a:solidFill>
-                <a:effectLst/>
-                <a:latin typeface="Menlo"/>
-              </a:rPr>
-              <a:t>, </a:t>
-            </a:r>
-            <a:r>
-              <a:rPr lang="en-US" b="0" i="0" dirty="0">
-                <a:solidFill>
-                  <a:srgbClr val="718C00"/>
-                </a:solidFill>
-                <a:effectLst/>
-                <a:latin typeface="Menlo"/>
-              </a:rPr>
-              <a:t>"."</a:t>
-            </a:r>
-            <a:r>
-              <a:rPr lang="en-US" b="0" i="0" dirty="0">
-                <a:solidFill>
-                  <a:srgbClr val="4D4D4C"/>
-                </a:solidFill>
-                <a:effectLst/>
-                <a:latin typeface="Menlo"/>
-              </a:rPr>
-              <a:t>, </a:t>
-            </a:r>
-            <a:r>
-              <a:rPr lang="en-US" b="0" i="0" dirty="0">
-                <a:solidFill>
-                  <a:srgbClr val="718C00"/>
-                </a:solidFill>
-                <a:effectLst/>
-                <a:latin typeface="Menlo"/>
-              </a:rPr>
-              <a:t>"capes"</a:t>
-            </a:r>
-            <a:r>
-              <a:rPr lang="en-US" b="0" i="0" dirty="0">
-                <a:solidFill>
-                  <a:srgbClr val="4D4D4C"/>
-                </a:solidFill>
-                <a:effectLst/>
-                <a:latin typeface="Menlo"/>
-              </a:rPr>
-              <a:t>]</a:t>
-            </a:r>
-            <a:endParaRPr lang="ru-RU" dirty="0"/>
-          </a:p>
-        </p:txBody>
-      </p:sp>
-      <p:sp>
-        <p:nvSpPr>
-          <p:cNvPr id="9" name="TextBox 8">
+        </p:nvPicPr>
+        <p:blipFill>
+          <a:blip r:embed="rId3"/>
+          <a:stretch>
+            <a:fillRect/>
+          </a:stretch>
+        </p:blipFill>
+        <p:spPr>
+          <a:xfrm>
+            <a:off x="1524542" y="4358640"/>
+            <a:ext cx="3053633" cy="584099"/>
+          </a:xfrm>
+          <a:prstGeom prst="rect">
+            <a:avLst/>
+          </a:prstGeom>
+        </p:spPr>
+      </p:pic>
+      <p:pic>
+        <p:nvPicPr>
+          <p:cNvPr id="7" name="Рисунок 6">
             <a:extLst>
               <a:ext uri="{FF2B5EF4-FFF2-40B4-BE49-F238E27FC236}">
-                <a16:creationId xmlns:a16="http://schemas.microsoft.com/office/drawing/2014/main" id="{225580BB-111F-4E98-8B27-68CA017263B9}"/>
+                <a16:creationId xmlns:a16="http://schemas.microsoft.com/office/drawing/2014/main" id="{4DF7E99B-7E64-4A8C-BE12-60C76AE1E3C4}"/>
               </a:ext>
             </a:extLst>
           </p:cNvPr>
-          <p:cNvSpPr txBox="1"/>
+          <p:cNvPicPr>
+            <a:picLocks noChangeAspect="1"/>
+          </p:cNvPicPr>
           <p:nvPr/>
-        </p:nvSpPr>
-        <p:spPr>
-          <a:xfrm>
-            <a:off x="1102358" y="3909706"/>
-            <a:ext cx="5918202" cy="369332"/>
-          </a:xfrm>
-          <a:prstGeom prst="rect">
-            <a:avLst/>
-          </a:prstGeom>
-          <a:noFill/>
-        </p:spPr>
-        <p:txBody>
-          <a:bodyPr wrap="square">
-            <a:spAutoFit/>
-          </a:bodyPr>
-          <a:lstStyle/>
-          <a:p>
-            <a:r>
-              <a:rPr lang="en-US" b="0" i="0" dirty="0" err="1">
-                <a:solidFill>
-                  <a:srgbClr val="4D4D4C"/>
-                </a:solidFill>
-                <a:effectLst/>
-                <a:latin typeface="Menlo"/>
-              </a:rPr>
-              <a:t>tokenizer.encode</a:t>
-            </a:r>
-            <a:r>
-              <a:rPr lang="en-US" b="0" i="0" dirty="0">
-                <a:solidFill>
-                  <a:srgbClr val="4D4D4C"/>
-                </a:solidFill>
-                <a:effectLst/>
-                <a:latin typeface="Menlo"/>
-              </a:rPr>
-              <a:t>(</a:t>
-            </a:r>
-            <a:r>
-              <a:rPr lang="en-US" b="0" i="0" dirty="0">
-                <a:solidFill>
-                  <a:srgbClr val="718C00"/>
-                </a:solidFill>
-                <a:effectLst/>
-                <a:latin typeface="Menlo"/>
-              </a:rPr>
-              <a:t>"not all heroes wear"</a:t>
-            </a:r>
-            <a:r>
-              <a:rPr lang="en-US" b="0" i="0" dirty="0">
-                <a:solidFill>
-                  <a:srgbClr val="4D4D4C"/>
-                </a:solidFill>
-                <a:effectLst/>
-                <a:latin typeface="Menlo"/>
-              </a:rPr>
-              <a:t>) </a:t>
-            </a:r>
-            <a:r>
-              <a:rPr lang="en-US" b="0" i="0" dirty="0">
-                <a:solidFill>
-                  <a:srgbClr val="8E908C"/>
-                </a:solidFill>
-                <a:effectLst/>
-                <a:latin typeface="Menlo"/>
-              </a:rPr>
-              <a:t># ids = [1, 0, 2, 4]</a:t>
-            </a:r>
-            <a:endParaRPr lang="ru-RU" dirty="0"/>
-          </a:p>
-        </p:txBody>
-      </p:sp>
+        </p:nvPicPr>
+        <p:blipFill>
+          <a:blip r:embed="rId4"/>
+          <a:stretch>
+            <a:fillRect/>
+          </a:stretch>
+        </p:blipFill>
+        <p:spPr>
+          <a:xfrm>
+            <a:off x="4797283" y="4358640"/>
+            <a:ext cx="1818243" cy="584099"/>
+          </a:xfrm>
+          <a:prstGeom prst="rect">
+            <a:avLst/>
+          </a:prstGeom>
+        </p:spPr>
+      </p:pic>
     </p:spTree>
     <p:extLst>
       <p:ext uri="{BB962C8B-B14F-4D97-AF65-F5344CB8AC3E}">
-        <p14:creationId xmlns:p14="http://schemas.microsoft.com/office/powerpoint/2010/main" val="1639788795"/>
+        <p14:creationId xmlns:p14="http://schemas.microsoft.com/office/powerpoint/2010/main" val="358602712"/>
       </p:ext>
     </p:extLst>
   </p:cSld>
